--- a/Licenta2020BocicuSamuelEmanuel/prezentareLicenta.pptx
+++ b/Licenta2020BocicuSamuelEmanuel/prezentareLicenta.pptx
@@ -5,7 +5,7 @@
     <p:sldMasterId id="2147483797" r:id="rId1"/>
   </p:sldMasterIdLst>
   <p:notesMasterIdLst>
-    <p:notesMasterId r:id="rId35"/>
+    <p:notesMasterId r:id="rId34"/>
   </p:notesMasterIdLst>
   <p:sldIdLst>
     <p:sldId id="256" r:id="rId2"/>
@@ -22,25 +22,24 @@
     <p:sldId id="276" r:id="rId13"/>
     <p:sldId id="282" r:id="rId14"/>
     <p:sldId id="260" r:id="rId15"/>
-    <p:sldId id="270" r:id="rId16"/>
-    <p:sldId id="284" r:id="rId17"/>
-    <p:sldId id="285" r:id="rId18"/>
-    <p:sldId id="283" r:id="rId19"/>
-    <p:sldId id="286" r:id="rId20"/>
-    <p:sldId id="287" r:id="rId21"/>
-    <p:sldId id="294" r:id="rId22"/>
-    <p:sldId id="295" r:id="rId23"/>
-    <p:sldId id="290" r:id="rId24"/>
-    <p:sldId id="291" r:id="rId25"/>
-    <p:sldId id="289" r:id="rId26"/>
-    <p:sldId id="296" r:id="rId27"/>
-    <p:sldId id="293" r:id="rId28"/>
-    <p:sldId id="298" r:id="rId29"/>
-    <p:sldId id="299" r:id="rId30"/>
-    <p:sldId id="264" r:id="rId31"/>
-    <p:sldId id="266" r:id="rId32"/>
-    <p:sldId id="303" r:id="rId33"/>
-    <p:sldId id="304" r:id="rId34"/>
+    <p:sldId id="284" r:id="rId16"/>
+    <p:sldId id="285" r:id="rId17"/>
+    <p:sldId id="283" r:id="rId18"/>
+    <p:sldId id="286" r:id="rId19"/>
+    <p:sldId id="287" r:id="rId20"/>
+    <p:sldId id="294" r:id="rId21"/>
+    <p:sldId id="295" r:id="rId22"/>
+    <p:sldId id="290" r:id="rId23"/>
+    <p:sldId id="291" r:id="rId24"/>
+    <p:sldId id="289" r:id="rId25"/>
+    <p:sldId id="296" r:id="rId26"/>
+    <p:sldId id="293" r:id="rId27"/>
+    <p:sldId id="298" r:id="rId28"/>
+    <p:sldId id="299" r:id="rId29"/>
+    <p:sldId id="264" r:id="rId30"/>
+    <p:sldId id="266" r:id="rId31"/>
+    <p:sldId id="303" r:id="rId32"/>
+    <p:sldId id="304" r:id="rId33"/>
   </p:sldIdLst>
   <p:sldSz cx="12192000" cy="6858000"/>
   <p:notesSz cx="6858000" cy="9144000"/>
@@ -1308,7 +1307,7 @@
           <a:p>
             <a:fld id="{57B95805-570E-4648-B407-7D75FFE27D7B}" type="datetimeFigureOut">
               <a:rPr lang="ro-RO" smtClean="0"/>
-              <a:t>11.02.2020</a:t>
+              <a:t>13.02.2020</a:t>
             </a:fld>
             <a:endParaRPr lang="ro-RO"/>
           </a:p>
@@ -1725,7 +1724,7 @@
           <a:p>
             <a:fld id="{D5A030D1-097F-49D6-A0A1-AED5BD47EF1E}" type="slidenum">
               <a:rPr lang="ro-RO" smtClean="0"/>
-              <a:t>21</a:t>
+              <a:t>20</a:t>
             </a:fld>
             <a:endParaRPr lang="ro-RO"/>
           </a:p>
@@ -1809,7 +1808,7 @@
           <a:p>
             <a:fld id="{D5A030D1-097F-49D6-A0A1-AED5BD47EF1E}" type="slidenum">
               <a:rPr lang="ro-RO" smtClean="0"/>
-              <a:t>22</a:t>
+              <a:t>21</a:t>
             </a:fld>
             <a:endParaRPr lang="ro-RO"/>
           </a:p>
@@ -1893,7 +1892,7 @@
           <a:p>
             <a:fld id="{D5A030D1-097F-49D6-A0A1-AED5BD47EF1E}" type="slidenum">
               <a:rPr lang="ro-RO" smtClean="0"/>
-              <a:t>23</a:t>
+              <a:t>22</a:t>
             </a:fld>
             <a:endParaRPr lang="ro-RO"/>
           </a:p>
@@ -1977,7 +1976,7 @@
           <a:p>
             <a:fld id="{D5A030D1-097F-49D6-A0A1-AED5BD47EF1E}" type="slidenum">
               <a:rPr lang="ro-RO" smtClean="0"/>
-              <a:t>24</a:t>
+              <a:t>23</a:t>
             </a:fld>
             <a:endParaRPr lang="ro-RO"/>
           </a:p>
@@ -2061,7 +2060,7 @@
           <a:p>
             <a:fld id="{D5A030D1-097F-49D6-A0A1-AED5BD47EF1E}" type="slidenum">
               <a:rPr lang="ro-RO" smtClean="0"/>
-              <a:t>28</a:t>
+              <a:t>27</a:t>
             </a:fld>
             <a:endParaRPr lang="ro-RO"/>
           </a:p>
@@ -2145,7 +2144,7 @@
           <a:p>
             <a:fld id="{D5A030D1-097F-49D6-A0A1-AED5BD47EF1E}" type="slidenum">
               <a:rPr lang="ro-RO" smtClean="0"/>
-              <a:t>29</a:t>
+              <a:t>28</a:t>
             </a:fld>
             <a:endParaRPr lang="ro-RO"/>
           </a:p>
@@ -2888,7 +2887,7 @@
           <a:p>
             <a:fld id="{AB8A6043-29AB-46F5-9B3D-56BF3A77B39A}" type="datetimeFigureOut">
               <a:rPr lang="ro-RO" smtClean="0"/>
-              <a:t>11.02.2020</a:t>
+              <a:t>13.02.2020</a:t>
             </a:fld>
             <a:endParaRPr lang="ro-RO"/>
           </a:p>
@@ -3139,7 +3138,7 @@
           <a:p>
             <a:fld id="{AB8A6043-29AB-46F5-9B3D-56BF3A77B39A}" type="datetimeFigureOut">
               <a:rPr lang="ro-RO" smtClean="0"/>
-              <a:t>11.02.2020</a:t>
+              <a:t>13.02.2020</a:t>
             </a:fld>
             <a:endParaRPr lang="ro-RO"/>
           </a:p>
@@ -3453,7 +3452,7 @@
           <a:p>
             <a:fld id="{AB8A6043-29AB-46F5-9B3D-56BF3A77B39A}" type="datetimeFigureOut">
               <a:rPr lang="ro-RO" smtClean="0"/>
-              <a:t>11.02.2020</a:t>
+              <a:t>13.02.2020</a:t>
             </a:fld>
             <a:endParaRPr lang="ro-RO"/>
           </a:p>
@@ -3780,7 +3779,7 @@
           <a:p>
             <a:fld id="{AB8A6043-29AB-46F5-9B3D-56BF3A77B39A}" type="datetimeFigureOut">
               <a:rPr lang="ro-RO" smtClean="0"/>
-              <a:t>11.02.2020</a:t>
+              <a:t>13.02.2020</a:t>
             </a:fld>
             <a:endParaRPr lang="ro-RO"/>
           </a:p>
@@ -4094,7 +4093,7 @@
           <a:p>
             <a:fld id="{AB8A6043-29AB-46F5-9B3D-56BF3A77B39A}" type="datetimeFigureOut">
               <a:rPr lang="ro-RO" smtClean="0"/>
-              <a:t>11.02.2020</a:t>
+              <a:t>13.02.2020</a:t>
             </a:fld>
             <a:endParaRPr lang="ro-RO"/>
           </a:p>
@@ -4481,7 +4480,7 @@
           <a:p>
             <a:fld id="{AB8A6043-29AB-46F5-9B3D-56BF3A77B39A}" type="datetimeFigureOut">
               <a:rPr lang="ro-RO" smtClean="0"/>
-              <a:t>11.02.2020</a:t>
+              <a:t>13.02.2020</a:t>
             </a:fld>
             <a:endParaRPr lang="ro-RO"/>
           </a:p>
@@ -4651,7 +4650,7 @@
           <a:p>
             <a:fld id="{AB8A6043-29AB-46F5-9B3D-56BF3A77B39A}" type="datetimeFigureOut">
               <a:rPr lang="ro-RO" smtClean="0"/>
-              <a:t>11.02.2020</a:t>
+              <a:t>13.02.2020</a:t>
             </a:fld>
             <a:endParaRPr lang="ro-RO"/>
           </a:p>
@@ -4831,7 +4830,7 @@
           <a:p>
             <a:fld id="{AB8A6043-29AB-46F5-9B3D-56BF3A77B39A}" type="datetimeFigureOut">
               <a:rPr lang="ro-RO" smtClean="0"/>
-              <a:t>11.02.2020</a:t>
+              <a:t>13.02.2020</a:t>
             </a:fld>
             <a:endParaRPr lang="ro-RO"/>
           </a:p>
@@ -5007,7 +5006,7 @@
           <a:p>
             <a:fld id="{AB8A6043-29AB-46F5-9B3D-56BF3A77B39A}" type="datetimeFigureOut">
               <a:rPr lang="ro-RO" smtClean="0"/>
-              <a:t>11.02.2020</a:t>
+              <a:t>13.02.2020</a:t>
             </a:fld>
             <a:endParaRPr lang="ro-RO"/>
           </a:p>
@@ -5254,7 +5253,7 @@
           <a:p>
             <a:fld id="{AB8A6043-29AB-46F5-9B3D-56BF3A77B39A}" type="datetimeFigureOut">
               <a:rPr lang="ro-RO" smtClean="0"/>
-              <a:t>11.02.2020</a:t>
+              <a:t>13.02.2020</a:t>
             </a:fld>
             <a:endParaRPr lang="ro-RO"/>
           </a:p>
@@ -5486,7 +5485,7 @@
           <a:p>
             <a:fld id="{AB8A6043-29AB-46F5-9B3D-56BF3A77B39A}" type="datetimeFigureOut">
               <a:rPr lang="ro-RO" smtClean="0"/>
-              <a:t>11.02.2020</a:t>
+              <a:t>13.02.2020</a:t>
             </a:fld>
             <a:endParaRPr lang="ro-RO"/>
           </a:p>
@@ -5860,7 +5859,7 @@
           <a:p>
             <a:fld id="{AB8A6043-29AB-46F5-9B3D-56BF3A77B39A}" type="datetimeFigureOut">
               <a:rPr lang="ro-RO" smtClean="0"/>
-              <a:t>11.02.2020</a:t>
+              <a:t>13.02.2020</a:t>
             </a:fld>
             <a:endParaRPr lang="ro-RO"/>
           </a:p>
@@ -5983,7 +5982,7 @@
           <a:p>
             <a:fld id="{AB8A6043-29AB-46F5-9B3D-56BF3A77B39A}" type="datetimeFigureOut">
               <a:rPr lang="ro-RO" smtClean="0"/>
-              <a:t>11.02.2020</a:t>
+              <a:t>13.02.2020</a:t>
             </a:fld>
             <a:endParaRPr lang="ro-RO"/>
           </a:p>
@@ -6078,7 +6077,7 @@
           <a:p>
             <a:fld id="{AB8A6043-29AB-46F5-9B3D-56BF3A77B39A}" type="datetimeFigureOut">
               <a:rPr lang="ro-RO" smtClean="0"/>
-              <a:t>11.02.2020</a:t>
+              <a:t>13.02.2020</a:t>
             </a:fld>
             <a:endParaRPr lang="ro-RO"/>
           </a:p>
@@ -6333,7 +6332,7 @@
           <a:p>
             <a:fld id="{AB8A6043-29AB-46F5-9B3D-56BF3A77B39A}" type="datetimeFigureOut">
               <a:rPr lang="ro-RO" smtClean="0"/>
-              <a:t>11.02.2020</a:t>
+              <a:t>13.02.2020</a:t>
             </a:fld>
             <a:endParaRPr lang="ro-RO"/>
           </a:p>
@@ -6596,7 +6595,7 @@
           <a:p>
             <a:fld id="{AB8A6043-29AB-46F5-9B3D-56BF3A77B39A}" type="datetimeFigureOut">
               <a:rPr lang="ro-RO" smtClean="0"/>
-              <a:t>11.02.2020</a:t>
+              <a:t>13.02.2020</a:t>
             </a:fld>
             <a:endParaRPr lang="ro-RO"/>
           </a:p>
@@ -7341,7 +7340,7 @@
           <a:p>
             <a:fld id="{AB8A6043-29AB-46F5-9B3D-56BF3A77B39A}" type="datetimeFigureOut">
               <a:rPr lang="ro-RO" smtClean="0"/>
-              <a:t>11.02.2020</a:t>
+              <a:t>13.02.2020</a:t>
             </a:fld>
             <a:endParaRPr lang="ro-RO"/>
           </a:p>
@@ -9654,295 +9653,6 @@
           <p:cNvPr id="2" name="Title 1">
             <a:extLst>
               <a:ext uri="{FF2B5EF4-FFF2-40B4-BE49-F238E27FC236}">
-                <a16:creationId xmlns:a16="http://schemas.microsoft.com/office/drawing/2014/main" id="{2D60FA10-F7DE-4131-A073-9669FF71EB91}"/>
-              </a:ext>
-            </a:extLst>
-          </p:cNvPr>
-          <p:cNvSpPr>
-            <a:spLocks noGrp="1"/>
-          </p:cNvSpPr>
-          <p:nvPr>
-            <p:ph type="title"/>
-          </p:nvPr>
-        </p:nvSpPr>
-        <p:spPr/>
-        <p:txBody>
-          <a:bodyPr/>
-          <a:lstStyle/>
-          <a:p>
-            <a:r>
-              <a:rPr lang="en-US" dirty="0" err="1"/>
-              <a:t>Controlul</a:t>
-            </a:r>
-            <a:r>
-              <a:rPr lang="en-US" dirty="0"/>
-              <a:t> vocal al </a:t>
-            </a:r>
-            <a:r>
-              <a:rPr lang="en-US" dirty="0" err="1"/>
-              <a:t>aplicației</a:t>
-            </a:r>
-            <a:br>
-              <a:rPr lang="en-US" dirty="0"/>
-            </a:br>
-            <a:r>
-              <a:rPr lang="en-US" sz="2800" dirty="0" err="1"/>
-              <a:t>probleme</a:t>
-            </a:r>
-            <a:r>
-              <a:rPr lang="en-US" sz="2800" dirty="0"/>
-              <a:t> </a:t>
-            </a:r>
-            <a:r>
-              <a:rPr lang="en-US" sz="2800" dirty="0" err="1"/>
-              <a:t>și</a:t>
-            </a:r>
-            <a:r>
-              <a:rPr lang="en-US" sz="2800" dirty="0"/>
-              <a:t> </a:t>
-            </a:r>
-            <a:r>
-              <a:rPr lang="en-US" sz="2800" dirty="0" err="1"/>
-              <a:t>soluții</a:t>
-            </a:r>
-            <a:endParaRPr lang="ro-RO" dirty="0"/>
-          </a:p>
-        </p:txBody>
-      </p:sp>
-      <p:sp>
-        <p:nvSpPr>
-          <p:cNvPr id="3" name="Content Placeholder 2">
-            <a:extLst>
-              <a:ext uri="{FF2B5EF4-FFF2-40B4-BE49-F238E27FC236}">
-                <a16:creationId xmlns:a16="http://schemas.microsoft.com/office/drawing/2014/main" id="{63D62443-5A6D-4F2A-983A-2E9185EB6EE9}"/>
-              </a:ext>
-            </a:extLst>
-          </p:cNvPr>
-          <p:cNvSpPr>
-            <a:spLocks noGrp="1"/>
-          </p:cNvSpPr>
-          <p:nvPr>
-            <p:ph idx="1"/>
-          </p:nvPr>
-        </p:nvSpPr>
-        <p:spPr>
-          <a:xfrm>
-            <a:off x="677334" y="1930400"/>
-            <a:ext cx="9240389" cy="3880773"/>
-          </a:xfrm>
-        </p:spPr>
-        <p:txBody>
-          <a:bodyPr>
-            <a:normAutofit/>
-          </a:bodyPr>
-          <a:lstStyle/>
-          <a:p>
-            <a:r>
-              <a:rPr lang="en-US" sz="2800" dirty="0" err="1"/>
-              <a:t>Calibrarea</a:t>
-            </a:r>
-            <a:r>
-              <a:rPr lang="en-US" sz="2800" dirty="0"/>
-              <a:t> </a:t>
-            </a:r>
-            <a:r>
-              <a:rPr lang="en-US" sz="2800" dirty="0" err="1"/>
-              <a:t>serviciului</a:t>
-            </a:r>
-            <a:r>
-              <a:rPr lang="en-US" sz="2800" dirty="0"/>
-              <a:t> de </a:t>
-            </a:r>
-            <a:r>
-              <a:rPr lang="en-US" sz="2800" dirty="0" err="1"/>
-              <a:t>recunoaștere</a:t>
-            </a:r>
-            <a:r>
-              <a:rPr lang="en-US" sz="2800" dirty="0"/>
-              <a:t> </a:t>
-            </a:r>
-            <a:r>
-              <a:rPr lang="en-US" sz="2800" dirty="0" err="1"/>
-              <a:t>vocală</a:t>
-            </a:r>
-            <a:endParaRPr lang="en-US" sz="2800" dirty="0"/>
-          </a:p>
-          <a:p>
-            <a:pPr marL="0" indent="0">
-              <a:buNone/>
-            </a:pPr>
-            <a:endParaRPr lang="en-US" sz="2800" dirty="0"/>
-          </a:p>
-          <a:p>
-            <a:pPr lvl="1">
-              <a:buFont typeface="Courier New" panose="02070309020205020404" pitchFamily="49" charset="0"/>
-              <a:buChar char="o"/>
-            </a:pPr>
-            <a:r>
-              <a:rPr lang="en-US" sz="2600" dirty="0" err="1">
-                <a:solidFill>
-                  <a:schemeClr val="accent1"/>
-                </a:solidFill>
-              </a:rPr>
-              <a:t>problema</a:t>
-            </a:r>
-            <a:r>
-              <a:rPr lang="en-US" sz="2600" dirty="0"/>
-              <a:t>: nu pot fi evaluate </a:t>
-            </a:r>
-            <a:r>
-              <a:rPr lang="en-US" sz="2600" dirty="0" err="1"/>
-              <a:t>rezultatele</a:t>
-            </a:r>
-            <a:r>
-              <a:rPr lang="en-US" sz="2600" dirty="0"/>
-              <a:t> </a:t>
-            </a:r>
-            <a:r>
-              <a:rPr lang="en-US" sz="2600" dirty="0" err="1"/>
-              <a:t>pentru</a:t>
-            </a:r>
-            <a:r>
-              <a:rPr lang="en-US" sz="2600" dirty="0"/>
-              <a:t> a </a:t>
-            </a:r>
-            <a:r>
-              <a:rPr lang="en-US" sz="2600" dirty="0" err="1"/>
-              <a:t>putea</a:t>
-            </a:r>
-            <a:r>
-              <a:rPr lang="en-US" sz="2600" dirty="0"/>
-              <a:t> </a:t>
-            </a:r>
-            <a:r>
-              <a:rPr lang="en-US" sz="2600" dirty="0" err="1"/>
-              <a:t>calibra</a:t>
-            </a:r>
-            <a:r>
-              <a:rPr lang="en-US" sz="2600" dirty="0"/>
-              <a:t> </a:t>
-            </a:r>
-            <a:r>
-              <a:rPr lang="en-US" sz="2600" dirty="0" err="1"/>
-              <a:t>acest</a:t>
-            </a:r>
-            <a:r>
-              <a:rPr lang="en-US" sz="2600" dirty="0"/>
-              <a:t> </a:t>
-            </a:r>
-            <a:r>
-              <a:rPr lang="en-US" sz="2600" dirty="0" err="1"/>
-              <a:t>serviciu</a:t>
-            </a:r>
-            <a:endParaRPr lang="en-US" sz="2600" dirty="0"/>
-          </a:p>
-          <a:p>
-            <a:pPr lvl="1">
-              <a:buFont typeface="Courier New" panose="02070309020205020404" pitchFamily="49" charset="0"/>
-              <a:buChar char="o"/>
-            </a:pPr>
-            <a:endParaRPr lang="en-US" sz="2600" dirty="0"/>
-          </a:p>
-          <a:p>
-            <a:pPr lvl="1">
-              <a:buFont typeface="Courier New" panose="02070309020205020404" pitchFamily="49" charset="0"/>
-              <a:buChar char="o"/>
-            </a:pPr>
-            <a:r>
-              <a:rPr lang="en-US" sz="2600" dirty="0" err="1">
-                <a:solidFill>
-                  <a:schemeClr val="accent1"/>
-                </a:solidFill>
-              </a:rPr>
-              <a:t>solutie</a:t>
-            </a:r>
-            <a:r>
-              <a:rPr lang="en-US" sz="2600" dirty="0"/>
-              <a:t>: </a:t>
-            </a:r>
-            <a:r>
-              <a:rPr lang="en-US" sz="2600" dirty="0" err="1"/>
-              <a:t>librăria</a:t>
-            </a:r>
-            <a:r>
-              <a:rPr lang="en-US" sz="2600" dirty="0"/>
-              <a:t> “</a:t>
-            </a:r>
-            <a:r>
-              <a:rPr lang="en-US" sz="2600" i="1" dirty="0" err="1"/>
-              <a:t>PocketSphinx</a:t>
-            </a:r>
-            <a:r>
-              <a:rPr lang="en-US" sz="2600" i="1" dirty="0"/>
-              <a:t>” </a:t>
-            </a:r>
-            <a:r>
-              <a:rPr lang="en-US" sz="2600" i="1" dirty="0" err="1"/>
-              <a:t>oferă</a:t>
-            </a:r>
-            <a:r>
-              <a:rPr lang="en-US" sz="2600" i="1" dirty="0"/>
-              <a:t> </a:t>
-            </a:r>
-            <a:r>
-              <a:rPr lang="en-US" sz="2600" i="1" dirty="0" err="1"/>
-              <a:t>rezultate</a:t>
-            </a:r>
-            <a:r>
-              <a:rPr lang="en-US" sz="2600" i="1" dirty="0"/>
-              <a:t> cu un </a:t>
-            </a:r>
-            <a:r>
-              <a:rPr lang="en-US" sz="2600" i="1" dirty="0" err="1"/>
-              <a:t>scor</a:t>
-            </a:r>
-            <a:r>
-              <a:rPr lang="en-US" sz="2600" i="1" dirty="0"/>
-              <a:t> de </a:t>
-            </a:r>
-            <a:r>
-              <a:rPr lang="en-US" sz="2600" i="1" dirty="0" err="1"/>
-              <a:t>probabilitate</a:t>
-            </a:r>
-            <a:endParaRPr lang="ro-RO" sz="2600" dirty="0"/>
-          </a:p>
-        </p:txBody>
-      </p:sp>
-    </p:spTree>
-    <p:extLst>
-      <p:ext uri="{BB962C8B-B14F-4D97-AF65-F5344CB8AC3E}">
-        <p14:creationId xmlns:p14="http://schemas.microsoft.com/office/powerpoint/2010/main" val="2318974977"/>
-      </p:ext>
-    </p:extLst>
-  </p:cSld>
-  <p:clrMapOvr>
-    <a:masterClrMapping/>
-  </p:clrMapOvr>
-</p:sld>
-</file>
-
-<file path=ppt/slides/slide16.xml><?xml version="1.0" encoding="utf-8"?>
-<p:sld xmlns:a="http://schemas.openxmlformats.org/drawingml/2006/main" xmlns:r="http://schemas.openxmlformats.org/officeDocument/2006/relationships" xmlns:p="http://schemas.openxmlformats.org/presentationml/2006/main">
-  <p:cSld>
-    <p:spTree>
-      <p:nvGrpSpPr>
-        <p:cNvPr id="1" name=""/>
-        <p:cNvGrpSpPr/>
-        <p:nvPr/>
-      </p:nvGrpSpPr>
-      <p:grpSpPr>
-        <a:xfrm>
-          <a:off x="0" y="0"/>
-          <a:ext cx="0" cy="0"/>
-          <a:chOff x="0" y="0"/>
-          <a:chExt cx="0" cy="0"/>
-        </a:xfrm>
-      </p:grpSpPr>
-      <p:sp>
-        <p:nvSpPr>
-          <p:cNvPr id="2" name="Title 1">
-            <a:extLst>
-              <a:ext uri="{FF2B5EF4-FFF2-40B4-BE49-F238E27FC236}">
                 <a16:creationId xmlns:a16="http://schemas.microsoft.com/office/drawing/2014/main" id="{4ABA92E7-FD8C-4932-B249-8DAA4EAF1B73}"/>
               </a:ext>
             </a:extLst>
@@ -10205,7 +9915,7 @@
 </p:sld>
 </file>
 
-<file path=ppt/slides/slide17.xml><?xml version="1.0" encoding="utf-8"?>
+<file path=ppt/slides/slide16.xml><?xml version="1.0" encoding="utf-8"?>
 <p:sld xmlns:a="http://schemas.openxmlformats.org/drawingml/2006/main" xmlns:r="http://schemas.openxmlformats.org/officeDocument/2006/relationships" xmlns:p="http://schemas.openxmlformats.org/presentationml/2006/main">
   <p:cSld>
     <p:spTree>
@@ -10477,7 +10187,7 @@
 </p:sld>
 </file>
 
-<file path=ppt/slides/slide18.xml><?xml version="1.0" encoding="utf-8"?>
+<file path=ppt/slides/slide17.xml><?xml version="1.0" encoding="utf-8"?>
 <p:sld xmlns:a="http://schemas.openxmlformats.org/drawingml/2006/main" xmlns:r="http://schemas.openxmlformats.org/officeDocument/2006/relationships" xmlns:p="http://schemas.openxmlformats.org/presentationml/2006/main">
   <p:cSld>
     <p:spTree>
@@ -10853,7 +10563,7 @@
 </p:sld>
 </file>
 
-<file path=ppt/slides/slide19.xml><?xml version="1.0" encoding="utf-8"?>
+<file path=ppt/slides/slide18.xml><?xml version="1.0" encoding="utf-8"?>
 <p:sld xmlns:a="http://schemas.openxmlformats.org/drawingml/2006/main" xmlns:r="http://schemas.openxmlformats.org/officeDocument/2006/relationships" xmlns:p="http://schemas.openxmlformats.org/presentationml/2006/main">
   <p:cSld>
     <p:spTree>
@@ -11095,153 +10805,7 @@
 </p:sld>
 </file>
 
-<file path=ppt/slides/slide2.xml><?xml version="1.0" encoding="utf-8"?>
-<p:sld xmlns:a="http://schemas.openxmlformats.org/drawingml/2006/main" xmlns:r="http://schemas.openxmlformats.org/officeDocument/2006/relationships" xmlns:p="http://schemas.openxmlformats.org/presentationml/2006/main">
-  <p:cSld>
-    <p:spTree>
-      <p:nvGrpSpPr>
-        <p:cNvPr id="1" name=""/>
-        <p:cNvGrpSpPr/>
-        <p:nvPr/>
-      </p:nvGrpSpPr>
-      <p:grpSpPr>
-        <a:xfrm>
-          <a:off x="0" y="0"/>
-          <a:ext cx="0" cy="0"/>
-          <a:chOff x="0" y="0"/>
-          <a:chExt cx="0" cy="0"/>
-        </a:xfrm>
-      </p:grpSpPr>
-      <p:sp>
-        <p:nvSpPr>
-          <p:cNvPr id="2" name="Title 1">
-            <a:extLst>
-              <a:ext uri="{FF2B5EF4-FFF2-40B4-BE49-F238E27FC236}">
-                <a16:creationId xmlns:a16="http://schemas.microsoft.com/office/drawing/2014/main" id="{2851D25E-D8B9-4E40-B4AA-EFFE910C8630}"/>
-              </a:ext>
-            </a:extLst>
-          </p:cNvPr>
-          <p:cNvSpPr>
-            <a:spLocks noGrp="1"/>
-          </p:cNvSpPr>
-          <p:nvPr>
-            <p:ph type="title"/>
-          </p:nvPr>
-        </p:nvSpPr>
-        <p:spPr/>
-        <p:txBody>
-          <a:bodyPr/>
-          <a:lstStyle/>
-          <a:p>
-            <a:r>
-              <a:rPr lang="en-US" dirty="0" err="1"/>
-              <a:t>Cuprins</a:t>
-            </a:r>
-            <a:endParaRPr lang="ro-RO" dirty="0"/>
-          </a:p>
-        </p:txBody>
-      </p:sp>
-      <p:sp>
-        <p:nvSpPr>
-          <p:cNvPr id="3" name="Content Placeholder 2">
-            <a:extLst>
-              <a:ext uri="{FF2B5EF4-FFF2-40B4-BE49-F238E27FC236}">
-                <a16:creationId xmlns:a16="http://schemas.microsoft.com/office/drawing/2014/main" id="{87FCB4DD-606D-48CB-9B3C-4B67E43AEE87}"/>
-              </a:ext>
-            </a:extLst>
-          </p:cNvPr>
-          <p:cNvSpPr>
-            <a:spLocks noGrp="1"/>
-          </p:cNvSpPr>
-          <p:nvPr>
-            <p:ph idx="1"/>
-          </p:nvPr>
-        </p:nvSpPr>
-        <p:spPr/>
-        <p:txBody>
-          <a:bodyPr/>
-          <a:lstStyle/>
-          <a:p>
-            <a:r>
-              <a:rPr lang="en-US" sz="2400" dirty="0" err="1"/>
-              <a:t>Introducere</a:t>
-            </a:r>
-            <a:r>
-              <a:rPr lang="en-US" sz="2400" dirty="0"/>
-              <a:t> </a:t>
-            </a:r>
-          </a:p>
-          <a:p>
-            <a:r>
-              <a:rPr lang="en-US" sz="2400" dirty="0" err="1"/>
-              <a:t>Proiectarea</a:t>
-            </a:r>
-            <a:r>
-              <a:rPr lang="en-US" sz="2400" dirty="0"/>
-              <a:t> </a:t>
-            </a:r>
-            <a:r>
-              <a:rPr lang="ro-RO" sz="2400" dirty="0"/>
-              <a:t>aplicației</a:t>
-            </a:r>
-            <a:endParaRPr lang="en-US" sz="2400" dirty="0"/>
-          </a:p>
-          <a:p>
-            <a:r>
-              <a:rPr lang="en-US" sz="2400" dirty="0" err="1"/>
-              <a:t>Prezentarea</a:t>
-            </a:r>
-            <a:r>
-              <a:rPr lang="en-US" sz="2400" dirty="0"/>
-              <a:t> </a:t>
-            </a:r>
-            <a:r>
-              <a:rPr lang="en-US" sz="2400" dirty="0" err="1"/>
-              <a:t>funcționalitaților</a:t>
-            </a:r>
-            <a:endParaRPr lang="en-US" sz="2400" dirty="0"/>
-          </a:p>
-          <a:p>
-            <a:r>
-              <a:rPr lang="en-US" sz="2400" dirty="0" err="1"/>
-              <a:t>Evaluarea</a:t>
-            </a:r>
-            <a:r>
-              <a:rPr lang="en-US" sz="2400" dirty="0"/>
-              <a:t> </a:t>
-            </a:r>
-            <a:r>
-              <a:rPr lang="en-US" sz="2400" dirty="0" err="1"/>
-              <a:t>aplicației</a:t>
-            </a:r>
-            <a:endParaRPr lang="en-US" sz="2400" dirty="0"/>
-          </a:p>
-          <a:p>
-            <a:r>
-              <a:rPr lang="en-US" sz="2400" dirty="0" err="1"/>
-              <a:t>Concluzii</a:t>
-            </a:r>
-            <a:endParaRPr lang="en-US" sz="2400" dirty="0"/>
-          </a:p>
-          <a:p>
-            <a:endParaRPr lang="en-US" sz="2400" dirty="0"/>
-          </a:p>
-        </p:txBody>
-      </p:sp>
-    </p:spTree>
-    <p:extLst>
-      <p:ext uri="{BB962C8B-B14F-4D97-AF65-F5344CB8AC3E}">
-        <p14:creationId xmlns:p14="http://schemas.microsoft.com/office/powerpoint/2010/main" val="2011729242"/>
-      </p:ext>
-    </p:extLst>
-  </p:cSld>
-  <p:clrMapOvr>
-    <a:masterClrMapping/>
-  </p:clrMapOvr>
-</p:sld>
-</file>
-
-<file path=ppt/slides/slide20.xml><?xml version="1.0" encoding="utf-8"?>
+<file path=ppt/slides/slide19.xml><?xml version="1.0" encoding="utf-8"?>
 <p:sld xmlns:a="http://schemas.openxmlformats.org/drawingml/2006/main" xmlns:r="http://schemas.openxmlformats.org/officeDocument/2006/relationships" xmlns:p="http://schemas.openxmlformats.org/presentationml/2006/main">
   <p:cSld>
     <p:spTree>
@@ -11563,7 +11127,153 @@
 </p:sld>
 </file>
 
-<file path=ppt/slides/slide21.xml><?xml version="1.0" encoding="utf-8"?>
+<file path=ppt/slides/slide2.xml><?xml version="1.0" encoding="utf-8"?>
+<p:sld xmlns:a="http://schemas.openxmlformats.org/drawingml/2006/main" xmlns:r="http://schemas.openxmlformats.org/officeDocument/2006/relationships" xmlns:p="http://schemas.openxmlformats.org/presentationml/2006/main">
+  <p:cSld>
+    <p:spTree>
+      <p:nvGrpSpPr>
+        <p:cNvPr id="1" name=""/>
+        <p:cNvGrpSpPr/>
+        <p:nvPr/>
+      </p:nvGrpSpPr>
+      <p:grpSpPr>
+        <a:xfrm>
+          <a:off x="0" y="0"/>
+          <a:ext cx="0" cy="0"/>
+          <a:chOff x="0" y="0"/>
+          <a:chExt cx="0" cy="0"/>
+        </a:xfrm>
+      </p:grpSpPr>
+      <p:sp>
+        <p:nvSpPr>
+          <p:cNvPr id="2" name="Title 1">
+            <a:extLst>
+              <a:ext uri="{FF2B5EF4-FFF2-40B4-BE49-F238E27FC236}">
+                <a16:creationId xmlns:a16="http://schemas.microsoft.com/office/drawing/2014/main" id="{2851D25E-D8B9-4E40-B4AA-EFFE910C8630}"/>
+              </a:ext>
+            </a:extLst>
+          </p:cNvPr>
+          <p:cNvSpPr>
+            <a:spLocks noGrp="1"/>
+          </p:cNvSpPr>
+          <p:nvPr>
+            <p:ph type="title"/>
+          </p:nvPr>
+        </p:nvSpPr>
+        <p:spPr/>
+        <p:txBody>
+          <a:bodyPr/>
+          <a:lstStyle/>
+          <a:p>
+            <a:r>
+              <a:rPr lang="en-US" dirty="0" err="1"/>
+              <a:t>Cuprins</a:t>
+            </a:r>
+            <a:endParaRPr lang="ro-RO" dirty="0"/>
+          </a:p>
+        </p:txBody>
+      </p:sp>
+      <p:sp>
+        <p:nvSpPr>
+          <p:cNvPr id="3" name="Content Placeholder 2">
+            <a:extLst>
+              <a:ext uri="{FF2B5EF4-FFF2-40B4-BE49-F238E27FC236}">
+                <a16:creationId xmlns:a16="http://schemas.microsoft.com/office/drawing/2014/main" id="{87FCB4DD-606D-48CB-9B3C-4B67E43AEE87}"/>
+              </a:ext>
+            </a:extLst>
+          </p:cNvPr>
+          <p:cNvSpPr>
+            <a:spLocks noGrp="1"/>
+          </p:cNvSpPr>
+          <p:nvPr>
+            <p:ph idx="1"/>
+          </p:nvPr>
+        </p:nvSpPr>
+        <p:spPr/>
+        <p:txBody>
+          <a:bodyPr/>
+          <a:lstStyle/>
+          <a:p>
+            <a:r>
+              <a:rPr lang="en-US" sz="2400" dirty="0" err="1"/>
+              <a:t>Introducere</a:t>
+            </a:r>
+            <a:r>
+              <a:rPr lang="en-US" sz="2400" dirty="0"/>
+              <a:t> </a:t>
+            </a:r>
+          </a:p>
+          <a:p>
+            <a:r>
+              <a:rPr lang="en-US" sz="2400" dirty="0" err="1"/>
+              <a:t>Proiectarea</a:t>
+            </a:r>
+            <a:r>
+              <a:rPr lang="en-US" sz="2400" dirty="0"/>
+              <a:t> </a:t>
+            </a:r>
+            <a:r>
+              <a:rPr lang="ro-RO" sz="2400" dirty="0"/>
+              <a:t>aplicației</a:t>
+            </a:r>
+            <a:endParaRPr lang="en-US" sz="2400" dirty="0"/>
+          </a:p>
+          <a:p>
+            <a:r>
+              <a:rPr lang="en-US" sz="2400" dirty="0" err="1"/>
+              <a:t>Prezentarea</a:t>
+            </a:r>
+            <a:r>
+              <a:rPr lang="en-US" sz="2400" dirty="0"/>
+              <a:t> </a:t>
+            </a:r>
+            <a:r>
+              <a:rPr lang="en-US" sz="2400" dirty="0" err="1"/>
+              <a:t>funcționalitaților</a:t>
+            </a:r>
+            <a:endParaRPr lang="en-US" sz="2400" dirty="0"/>
+          </a:p>
+          <a:p>
+            <a:r>
+              <a:rPr lang="en-US" sz="2400" dirty="0" err="1"/>
+              <a:t>Evaluarea</a:t>
+            </a:r>
+            <a:r>
+              <a:rPr lang="en-US" sz="2400" dirty="0"/>
+              <a:t> </a:t>
+            </a:r>
+            <a:r>
+              <a:rPr lang="en-US" sz="2400" dirty="0" err="1"/>
+              <a:t>aplicației</a:t>
+            </a:r>
+            <a:endParaRPr lang="en-US" sz="2400" dirty="0"/>
+          </a:p>
+          <a:p>
+            <a:r>
+              <a:rPr lang="en-US" sz="2400" dirty="0" err="1"/>
+              <a:t>Concluzii</a:t>
+            </a:r>
+            <a:endParaRPr lang="en-US" sz="2400" dirty="0"/>
+          </a:p>
+          <a:p>
+            <a:endParaRPr lang="en-US" sz="2400" dirty="0"/>
+          </a:p>
+        </p:txBody>
+      </p:sp>
+    </p:spTree>
+    <p:extLst>
+      <p:ext uri="{BB962C8B-B14F-4D97-AF65-F5344CB8AC3E}">
+        <p14:creationId xmlns:p14="http://schemas.microsoft.com/office/powerpoint/2010/main" val="2011729242"/>
+      </p:ext>
+    </p:extLst>
+  </p:cSld>
+  <p:clrMapOvr>
+    <a:masterClrMapping/>
+  </p:clrMapOvr>
+</p:sld>
+</file>
+
+<file path=ppt/slides/slide20.xml><?xml version="1.0" encoding="utf-8"?>
 <p:sld xmlns:a="http://schemas.openxmlformats.org/drawingml/2006/main" xmlns:r="http://schemas.openxmlformats.org/officeDocument/2006/relationships" xmlns:p="http://schemas.openxmlformats.org/presentationml/2006/main">
   <p:cSld>
     <p:spTree>
@@ -11925,7 +11635,7 @@
 </p:sld>
 </file>
 
-<file path=ppt/slides/slide22.xml><?xml version="1.0" encoding="utf-8"?>
+<file path=ppt/slides/slide21.xml><?xml version="1.0" encoding="utf-8"?>
 <p:sld xmlns:a="http://schemas.openxmlformats.org/drawingml/2006/main" xmlns:r="http://schemas.openxmlformats.org/officeDocument/2006/relationships" xmlns:p="http://schemas.openxmlformats.org/presentationml/2006/main">
   <p:cSld>
     <p:spTree>
@@ -12289,7 +11999,7 @@
 </p:sld>
 </file>
 
-<file path=ppt/slides/slide23.xml><?xml version="1.0" encoding="utf-8"?>
+<file path=ppt/slides/slide22.xml><?xml version="1.0" encoding="utf-8"?>
 <p:sld xmlns:a="http://schemas.openxmlformats.org/drawingml/2006/main" xmlns:r="http://schemas.openxmlformats.org/officeDocument/2006/relationships" xmlns:p="http://schemas.openxmlformats.org/presentationml/2006/main">
   <p:cSld>
     <p:spTree>
@@ -12531,7 +12241,7 @@
 </p:sld>
 </file>
 
-<file path=ppt/slides/slide24.xml><?xml version="1.0" encoding="utf-8"?>
+<file path=ppt/slides/slide23.xml><?xml version="1.0" encoding="utf-8"?>
 <p:sld xmlns:a="http://schemas.openxmlformats.org/drawingml/2006/main" xmlns:r="http://schemas.openxmlformats.org/officeDocument/2006/relationships" xmlns:p="http://schemas.openxmlformats.org/presentationml/2006/main">
   <p:cSld>
     <p:spTree>
@@ -12878,7 +12588,7 @@
 </p:sld>
 </file>
 
-<file path=ppt/slides/slide25.xml><?xml version="1.0" encoding="utf-8"?>
+<file path=ppt/slides/slide24.xml><?xml version="1.0" encoding="utf-8"?>
 <p:sld xmlns:a="http://schemas.openxmlformats.org/drawingml/2006/main" xmlns:r="http://schemas.openxmlformats.org/officeDocument/2006/relationships" xmlns:p="http://schemas.openxmlformats.org/presentationml/2006/main">
   <p:cSld>
     <p:spTree>
@@ -13249,7 +12959,7 @@
 </p:sld>
 </file>
 
-<file path=ppt/slides/slide26.xml><?xml version="1.0" encoding="utf-8"?>
+<file path=ppt/slides/slide25.xml><?xml version="1.0" encoding="utf-8"?>
 <p:sld xmlns:a="http://schemas.openxmlformats.org/drawingml/2006/main" xmlns:r="http://schemas.openxmlformats.org/officeDocument/2006/relationships" xmlns:p="http://schemas.openxmlformats.org/presentationml/2006/main">
   <p:cSld>
     <p:spTree>
@@ -13566,7 +13276,7 @@
 </p:sld>
 </file>
 
-<file path=ppt/slides/slide27.xml><?xml version="1.0" encoding="utf-8"?>
+<file path=ppt/slides/slide26.xml><?xml version="1.0" encoding="utf-8"?>
 <p:sld xmlns:a="http://schemas.openxmlformats.org/drawingml/2006/main" xmlns:r="http://schemas.openxmlformats.org/officeDocument/2006/relationships" xmlns:p="http://schemas.openxmlformats.org/presentationml/2006/main">
   <p:cSld>
     <p:spTree>
@@ -13817,7 +13527,7 @@
 </p:sld>
 </file>
 
-<file path=ppt/slides/slide28.xml><?xml version="1.0" encoding="utf-8"?>
+<file path=ppt/slides/slide27.xml><?xml version="1.0" encoding="utf-8"?>
 <p:sld xmlns:a="http://schemas.openxmlformats.org/drawingml/2006/main" xmlns:r="http://schemas.openxmlformats.org/officeDocument/2006/relationships" xmlns:p="http://schemas.openxmlformats.org/presentationml/2006/main">
   <p:cSld>
     <p:spTree>
@@ -14201,7 +13911,7 @@
 </p:sld>
 </file>
 
-<file path=ppt/slides/slide29.xml><?xml version="1.0" encoding="utf-8"?>
+<file path=ppt/slides/slide28.xml><?xml version="1.0" encoding="utf-8"?>
 <p:sld xmlns:a="http://schemas.openxmlformats.org/drawingml/2006/main" xmlns:r="http://schemas.openxmlformats.org/officeDocument/2006/relationships" xmlns:p="http://schemas.openxmlformats.org/presentationml/2006/main">
   <p:cSld>
     <p:spTree>
@@ -14558,6 +14268,290 @@
 </p:sld>
 </file>
 
+<file path=ppt/slides/slide29.xml><?xml version="1.0" encoding="utf-8"?>
+<p:sld xmlns:a="http://schemas.openxmlformats.org/drawingml/2006/main" xmlns:r="http://schemas.openxmlformats.org/officeDocument/2006/relationships" xmlns:p="http://schemas.openxmlformats.org/presentationml/2006/main">
+  <p:cSld>
+    <p:spTree>
+      <p:nvGrpSpPr>
+        <p:cNvPr id="1" name=""/>
+        <p:cNvGrpSpPr/>
+        <p:nvPr/>
+      </p:nvGrpSpPr>
+      <p:grpSpPr>
+        <a:xfrm>
+          <a:off x="0" y="0"/>
+          <a:ext cx="0" cy="0"/>
+          <a:chOff x="0" y="0"/>
+          <a:chExt cx="0" cy="0"/>
+        </a:xfrm>
+      </p:grpSpPr>
+      <p:sp>
+        <p:nvSpPr>
+          <p:cNvPr id="2" name="Title 1">
+            <a:extLst>
+              <a:ext uri="{FF2B5EF4-FFF2-40B4-BE49-F238E27FC236}">
+                <a16:creationId xmlns:a16="http://schemas.microsoft.com/office/drawing/2014/main" id="{C720CF5B-1DAD-41FB-BE26-5DA9CFD8F650}"/>
+              </a:ext>
+            </a:extLst>
+          </p:cNvPr>
+          <p:cNvSpPr>
+            <a:spLocks noGrp="1"/>
+          </p:cNvSpPr>
+          <p:nvPr>
+            <p:ph type="title"/>
+          </p:nvPr>
+        </p:nvSpPr>
+        <p:spPr/>
+        <p:txBody>
+          <a:bodyPr/>
+          <a:lstStyle/>
+          <a:p>
+            <a:r>
+              <a:rPr lang="en-US" dirty="0" err="1"/>
+              <a:t>Evaluarea</a:t>
+            </a:r>
+            <a:r>
+              <a:rPr lang="en-US" dirty="0"/>
+              <a:t> </a:t>
+            </a:r>
+            <a:r>
+              <a:rPr lang="en-US" dirty="0" err="1"/>
+              <a:t>aplicației</a:t>
+            </a:r>
+            <a:endParaRPr lang="ro-RO" dirty="0"/>
+          </a:p>
+        </p:txBody>
+      </p:sp>
+      <p:sp>
+        <p:nvSpPr>
+          <p:cNvPr id="3" name="Content Placeholder 2">
+            <a:extLst>
+              <a:ext uri="{FF2B5EF4-FFF2-40B4-BE49-F238E27FC236}">
+                <a16:creationId xmlns:a16="http://schemas.microsoft.com/office/drawing/2014/main" id="{9761EE4A-CD19-43E8-A7DB-5AFC9621592D}"/>
+              </a:ext>
+            </a:extLst>
+          </p:cNvPr>
+          <p:cNvSpPr>
+            <a:spLocks noGrp="1"/>
+          </p:cNvSpPr>
+          <p:nvPr>
+            <p:ph idx="1"/>
+          </p:nvPr>
+        </p:nvSpPr>
+        <p:spPr>
+          <a:xfrm>
+            <a:off x="677334" y="1930400"/>
+            <a:ext cx="9451404" cy="3747842"/>
+          </a:xfrm>
+        </p:spPr>
+        <p:txBody>
+          <a:bodyPr>
+            <a:noAutofit/>
+          </a:bodyPr>
+          <a:lstStyle/>
+          <a:p>
+            <a:r>
+              <a:rPr lang="en-US" sz="2600" dirty="0"/>
+              <a:t>O </a:t>
+            </a:r>
+            <a:r>
+              <a:rPr lang="en-US" sz="2600" dirty="0" err="1"/>
+              <a:t>evaluare</a:t>
+            </a:r>
+            <a:r>
+              <a:rPr lang="en-US" sz="2600" dirty="0"/>
+              <a:t> a </a:t>
+            </a:r>
+            <a:r>
+              <a:rPr lang="en-US" sz="2600" dirty="0" err="1"/>
+              <a:t>caracteristicilor</a:t>
+            </a:r>
+            <a:r>
+              <a:rPr lang="en-US" sz="2600" dirty="0"/>
+              <a:t> pe care le are </a:t>
+            </a:r>
+            <a:r>
+              <a:rPr lang="en-US" sz="2600" dirty="0" err="1"/>
+              <a:t>aplicația</a:t>
+            </a:r>
+            <a:endParaRPr lang="en-US" sz="2600" dirty="0"/>
+          </a:p>
+          <a:p>
+            <a:endParaRPr lang="en-US" sz="2600" dirty="0"/>
+          </a:p>
+          <a:p>
+            <a:pPr lvl="2">
+              <a:buFont typeface="Courier New" panose="02070309020205020404" pitchFamily="49" charset="0"/>
+              <a:buChar char="o"/>
+            </a:pPr>
+            <a:r>
+              <a:rPr lang="en-US" sz="2400" dirty="0" err="1"/>
+              <a:t>beneficiul</a:t>
+            </a:r>
+            <a:r>
+              <a:rPr lang="en-US" sz="2400" dirty="0"/>
+              <a:t> </a:t>
+            </a:r>
+            <a:r>
+              <a:rPr lang="en-US" sz="2400" dirty="0" err="1"/>
+              <a:t>adus</a:t>
+            </a:r>
+            <a:r>
+              <a:rPr lang="en-US" sz="2400" dirty="0"/>
+              <a:t> ca </a:t>
+            </a:r>
+            <a:r>
+              <a:rPr lang="en-US" sz="2400" dirty="0" err="1"/>
+              <a:t>parte</a:t>
+            </a:r>
+            <a:r>
+              <a:rPr lang="en-US" sz="2400" dirty="0"/>
+              <a:t> </a:t>
+            </a:r>
+            <a:r>
+              <a:rPr lang="en-US" sz="2400" dirty="0" err="1"/>
+              <a:t>individuală</a:t>
+            </a:r>
+            <a:r>
+              <a:rPr lang="en-US" sz="2400" dirty="0"/>
+              <a:t> a </a:t>
+            </a:r>
+            <a:r>
+              <a:rPr lang="en-US" sz="2400" dirty="0" err="1"/>
+              <a:t>aplicației</a:t>
+            </a:r>
+            <a:endParaRPr lang="en-US" sz="2400" dirty="0"/>
+          </a:p>
+          <a:p>
+            <a:pPr lvl="2">
+              <a:buFont typeface="Courier New" panose="02070309020205020404" pitchFamily="49" charset="0"/>
+              <a:buChar char="o"/>
+            </a:pPr>
+            <a:endParaRPr lang="en-US" sz="2400" dirty="0"/>
+          </a:p>
+          <a:p>
+            <a:pPr lvl="2">
+              <a:buFont typeface="Courier New" panose="02070309020205020404" pitchFamily="49" charset="0"/>
+              <a:buChar char="o"/>
+            </a:pPr>
+            <a:r>
+              <a:rPr lang="en-US" sz="2400" dirty="0" err="1"/>
+              <a:t>beneficiu</a:t>
+            </a:r>
+            <a:r>
+              <a:rPr lang="en-US" sz="2400" dirty="0"/>
+              <a:t> </a:t>
+            </a:r>
+            <a:r>
+              <a:rPr lang="en-US" sz="2400" dirty="0" err="1"/>
+              <a:t>adus</a:t>
+            </a:r>
+            <a:r>
+              <a:rPr lang="en-US" sz="2400" dirty="0"/>
+              <a:t> ca </a:t>
+            </a:r>
+            <a:r>
+              <a:rPr lang="en-US" sz="2400" dirty="0" err="1"/>
+              <a:t>parte</a:t>
+            </a:r>
+            <a:r>
+              <a:rPr lang="en-US" sz="2400" dirty="0"/>
+              <a:t> integrate </a:t>
+            </a:r>
+            <a:r>
+              <a:rPr lang="en-US" sz="2400" dirty="0" err="1"/>
+              <a:t>în</a:t>
+            </a:r>
+            <a:r>
+              <a:rPr lang="en-US" sz="2400" dirty="0"/>
+              <a:t> </a:t>
+            </a:r>
+            <a:r>
+              <a:rPr lang="en-US" sz="2400" dirty="0" err="1"/>
+              <a:t>aplicație</a:t>
+            </a:r>
+            <a:endParaRPr lang="en-US" sz="2400" dirty="0"/>
+          </a:p>
+          <a:p>
+            <a:pPr lvl="2">
+              <a:buFont typeface="Courier New" panose="02070309020205020404" pitchFamily="49" charset="0"/>
+              <a:buChar char="o"/>
+            </a:pPr>
+            <a:endParaRPr lang="en-US" sz="2400" dirty="0"/>
+          </a:p>
+          <a:p>
+            <a:pPr lvl="2">
+              <a:buFont typeface="Courier New" panose="02070309020205020404" pitchFamily="49" charset="0"/>
+              <a:buChar char="o"/>
+            </a:pPr>
+            <a:r>
+              <a:rPr lang="en-US" sz="2400" dirty="0" err="1"/>
+              <a:t>Frecvența</a:t>
+            </a:r>
+            <a:r>
+              <a:rPr lang="en-US" sz="2400" dirty="0"/>
+              <a:t> cu care </a:t>
+            </a:r>
+            <a:r>
+              <a:rPr lang="en-US" sz="2400" dirty="0" err="1"/>
+              <a:t>este</a:t>
+            </a:r>
+            <a:r>
+              <a:rPr lang="en-US" sz="2400" dirty="0"/>
+              <a:t> </a:t>
+            </a:r>
+            <a:r>
+              <a:rPr lang="en-US" sz="2400" dirty="0" err="1"/>
+              <a:t>utilizată</a:t>
+            </a:r>
+            <a:r>
+              <a:rPr lang="en-US" sz="2400" dirty="0"/>
+              <a:t> o </a:t>
+            </a:r>
+            <a:r>
+              <a:rPr lang="en-US" sz="2400" dirty="0" err="1"/>
+              <a:t>anumită</a:t>
+            </a:r>
+            <a:r>
+              <a:rPr lang="en-US" sz="2400" dirty="0"/>
+              <a:t> </a:t>
+            </a:r>
+            <a:r>
+              <a:rPr lang="en-US" sz="2400" dirty="0" err="1"/>
+              <a:t>componentă</a:t>
+            </a:r>
+            <a:endParaRPr lang="en-US" sz="2400" dirty="0"/>
+          </a:p>
+          <a:p>
+            <a:pPr marL="0" indent="0">
+              <a:buNone/>
+            </a:pPr>
+            <a:endParaRPr lang="en-US" sz="2600" dirty="0"/>
+          </a:p>
+          <a:p>
+            <a:pPr marL="0" indent="0">
+              <a:buNone/>
+            </a:pPr>
+            <a:endParaRPr lang="en-US" sz="2600" dirty="0"/>
+          </a:p>
+          <a:p>
+            <a:endParaRPr lang="ro-RO" sz="2600" dirty="0"/>
+          </a:p>
+        </p:txBody>
+      </p:sp>
+    </p:spTree>
+    <p:extLst>
+      <p:ext uri="{BB962C8B-B14F-4D97-AF65-F5344CB8AC3E}">
+        <p14:creationId xmlns:p14="http://schemas.microsoft.com/office/powerpoint/2010/main" val="2829266187"/>
+      </p:ext>
+    </p:extLst>
+  </p:cSld>
+  <p:clrMapOvr>
+    <a:masterClrMapping/>
+  </p:clrMapOvr>
+</p:sld>
+</file>
+
 <file path=ppt/slides/slide3.xml><?xml version="1.0" encoding="utf-8"?>
 <p:sld xmlns:a="http://schemas.openxmlformats.org/drawingml/2006/main" xmlns:r="http://schemas.openxmlformats.org/officeDocument/2006/relationships" xmlns:p="http://schemas.openxmlformats.org/presentationml/2006/main">
   <p:cSld>
@@ -14876,264 +14870,41 @@
           <a:chExt cx="0" cy="0"/>
         </a:xfrm>
       </p:grpSpPr>
-      <p:sp>
-        <p:nvSpPr>
-          <p:cNvPr id="2" name="Title 1">
+      <p:graphicFrame>
+        <p:nvGraphicFramePr>
+          <p:cNvPr id="7" name="Content Placeholder 6">
             <a:extLst>
               <a:ext uri="{FF2B5EF4-FFF2-40B4-BE49-F238E27FC236}">
-                <a16:creationId xmlns:a16="http://schemas.microsoft.com/office/drawing/2014/main" id="{C720CF5B-1DAD-41FB-BE26-5DA9CFD8F650}"/>
+                <a16:creationId xmlns:a16="http://schemas.microsoft.com/office/drawing/2014/main" id="{03B07EEA-135C-4266-8E29-C0428DC9F516}"/>
               </a:ext>
             </a:extLst>
           </p:cNvPr>
-          <p:cNvSpPr>
-            <a:spLocks noGrp="1"/>
-          </p:cNvSpPr>
-          <p:nvPr>
-            <p:ph type="title"/>
-          </p:nvPr>
-        </p:nvSpPr>
-        <p:spPr/>
-        <p:txBody>
-          <a:bodyPr/>
-          <a:lstStyle/>
-          <a:p>
-            <a:r>
-              <a:rPr lang="en-US" dirty="0" err="1"/>
-              <a:t>Evaluarea</a:t>
-            </a:r>
-            <a:r>
-              <a:rPr lang="en-US" dirty="0"/>
-              <a:t> </a:t>
-            </a:r>
-            <a:r>
-              <a:rPr lang="en-US" dirty="0" err="1"/>
-              <a:t>aplicației</a:t>
-            </a:r>
-            <a:endParaRPr lang="ro-RO" dirty="0"/>
-          </a:p>
-        </p:txBody>
-      </p:sp>
-      <p:sp>
-        <p:nvSpPr>
-          <p:cNvPr id="3" name="Content Placeholder 2">
-            <a:extLst>
-              <a:ext uri="{FF2B5EF4-FFF2-40B4-BE49-F238E27FC236}">
-                <a16:creationId xmlns:a16="http://schemas.microsoft.com/office/drawing/2014/main" id="{9761EE4A-CD19-43E8-A7DB-5AFC9621592D}"/>
-              </a:ext>
-            </a:extLst>
-          </p:cNvPr>
-          <p:cNvSpPr>
-            <a:spLocks noGrp="1"/>
-          </p:cNvSpPr>
+          <p:cNvGraphicFramePr>
+            <a:graphicFrameLocks noGrp="1"/>
+          </p:cNvGraphicFramePr>
           <p:nvPr>
             <p:ph idx="1"/>
-          </p:nvPr>
-        </p:nvSpPr>
-        <p:spPr>
-          <a:xfrm>
-            <a:off x="677334" y="1930400"/>
-            <a:ext cx="9451404" cy="3747842"/>
-          </a:xfrm>
-        </p:spPr>
-        <p:txBody>
-          <a:bodyPr>
-            <a:noAutofit/>
-          </a:bodyPr>
-          <a:lstStyle/>
-          <a:p>
-            <a:r>
-              <a:rPr lang="en-US" sz="2600" dirty="0"/>
-              <a:t>O </a:t>
-            </a:r>
-            <a:r>
-              <a:rPr lang="en-US" sz="2600" dirty="0" err="1"/>
-              <a:t>evaluare</a:t>
-            </a:r>
-            <a:r>
-              <a:rPr lang="en-US" sz="2600" dirty="0"/>
-              <a:t> a </a:t>
-            </a:r>
-            <a:r>
-              <a:rPr lang="en-US" sz="2600" dirty="0" err="1"/>
-              <a:t>caracteristicilor</a:t>
-            </a:r>
-            <a:r>
-              <a:rPr lang="en-US" sz="2600" dirty="0"/>
-              <a:t> pe care le are </a:t>
-            </a:r>
-            <a:r>
-              <a:rPr lang="en-US" sz="2600" dirty="0" err="1"/>
-              <a:t>aplicația</a:t>
-            </a:r>
-            <a:endParaRPr lang="en-US" sz="2600" dirty="0"/>
-          </a:p>
-          <a:p>
-            <a:endParaRPr lang="en-US" sz="2600" dirty="0"/>
-          </a:p>
-          <a:p>
-            <a:pPr lvl="2">
-              <a:buFont typeface="Courier New" panose="02070309020205020404" pitchFamily="49" charset="0"/>
-              <a:buChar char="o"/>
-            </a:pPr>
-            <a:r>
-              <a:rPr lang="en-US" sz="2400" dirty="0" err="1"/>
-              <a:t>beneficiul</a:t>
-            </a:r>
-            <a:r>
-              <a:rPr lang="en-US" sz="2400" dirty="0"/>
-              <a:t> </a:t>
-            </a:r>
-            <a:r>
-              <a:rPr lang="en-US" sz="2400" dirty="0" err="1"/>
-              <a:t>adus</a:t>
-            </a:r>
-            <a:r>
-              <a:rPr lang="en-US" sz="2400" dirty="0"/>
-              <a:t> ca </a:t>
-            </a:r>
-            <a:r>
-              <a:rPr lang="en-US" sz="2400" dirty="0" err="1"/>
-              <a:t>parte</a:t>
-            </a:r>
-            <a:r>
-              <a:rPr lang="en-US" sz="2400" dirty="0"/>
-              <a:t> </a:t>
-            </a:r>
-            <a:r>
-              <a:rPr lang="en-US" sz="2400" dirty="0" err="1"/>
-              <a:t>individuală</a:t>
-            </a:r>
-            <a:r>
-              <a:rPr lang="en-US" sz="2400" dirty="0"/>
-              <a:t> a </a:t>
-            </a:r>
-            <a:r>
-              <a:rPr lang="en-US" sz="2400" dirty="0" err="1"/>
-              <a:t>aplicației</a:t>
-            </a:r>
-            <a:endParaRPr lang="en-US" sz="2400" dirty="0"/>
-          </a:p>
-          <a:p>
-            <a:pPr lvl="2">
-              <a:buFont typeface="Courier New" panose="02070309020205020404" pitchFamily="49" charset="0"/>
-              <a:buChar char="o"/>
-            </a:pPr>
-            <a:endParaRPr lang="en-US" sz="2400" dirty="0"/>
-          </a:p>
-          <a:p>
-            <a:pPr lvl="2">
-              <a:buFont typeface="Courier New" panose="02070309020205020404" pitchFamily="49" charset="0"/>
-              <a:buChar char="o"/>
-            </a:pPr>
-            <a:r>
-              <a:rPr lang="en-US" sz="2400" dirty="0" err="1"/>
-              <a:t>beneficiu</a:t>
-            </a:r>
-            <a:r>
-              <a:rPr lang="en-US" sz="2400" dirty="0"/>
-              <a:t> </a:t>
-            </a:r>
-            <a:r>
-              <a:rPr lang="en-US" sz="2400" dirty="0" err="1"/>
-              <a:t>adus</a:t>
-            </a:r>
-            <a:r>
-              <a:rPr lang="en-US" sz="2400" dirty="0"/>
-              <a:t> ca </a:t>
-            </a:r>
-            <a:r>
-              <a:rPr lang="en-US" sz="2400" dirty="0" err="1"/>
-              <a:t>parte</a:t>
-            </a:r>
-            <a:r>
-              <a:rPr lang="en-US" sz="2400" dirty="0"/>
-              <a:t> integrate </a:t>
-            </a:r>
-            <a:r>
-              <a:rPr lang="en-US" sz="2400" dirty="0" err="1"/>
-              <a:t>în</a:t>
-            </a:r>
-            <a:r>
-              <a:rPr lang="en-US" sz="2400" dirty="0"/>
-              <a:t> </a:t>
-            </a:r>
-            <a:r>
-              <a:rPr lang="en-US" sz="2400" dirty="0" err="1"/>
-              <a:t>aplicație</a:t>
-            </a:r>
-            <a:endParaRPr lang="en-US" sz="2400" dirty="0"/>
-          </a:p>
-          <a:p>
-            <a:pPr lvl="2">
-              <a:buFont typeface="Courier New" panose="02070309020205020404" pitchFamily="49" charset="0"/>
-              <a:buChar char="o"/>
-            </a:pPr>
-            <a:endParaRPr lang="en-US" sz="2400" dirty="0"/>
-          </a:p>
-          <a:p>
-            <a:pPr lvl="2">
-              <a:buFont typeface="Courier New" panose="02070309020205020404" pitchFamily="49" charset="0"/>
-              <a:buChar char="o"/>
-            </a:pPr>
-            <a:r>
-              <a:rPr lang="en-US" sz="2400" dirty="0" err="1"/>
-              <a:t>Frecvența</a:t>
-            </a:r>
-            <a:r>
-              <a:rPr lang="en-US" sz="2400" dirty="0"/>
-              <a:t> cu care </a:t>
-            </a:r>
-            <a:r>
-              <a:rPr lang="en-US" sz="2400" dirty="0" err="1"/>
-              <a:t>este</a:t>
-            </a:r>
-            <a:r>
-              <a:rPr lang="en-US" sz="2400" dirty="0"/>
-              <a:t> </a:t>
-            </a:r>
-            <a:r>
-              <a:rPr lang="en-US" sz="2400" dirty="0" err="1"/>
-              <a:t>utilizată</a:t>
-            </a:r>
-            <a:r>
-              <a:rPr lang="en-US" sz="2400" dirty="0"/>
-              <a:t> o </a:t>
-            </a:r>
-            <a:r>
-              <a:rPr lang="en-US" sz="2400" dirty="0" err="1"/>
-              <a:t>anumită</a:t>
-            </a:r>
-            <a:r>
-              <a:rPr lang="en-US" sz="2400" dirty="0"/>
-              <a:t> </a:t>
-            </a:r>
-            <a:r>
-              <a:rPr lang="en-US" sz="2400" dirty="0" err="1"/>
-              <a:t>componentă</a:t>
-            </a:r>
-            <a:endParaRPr lang="en-US" sz="2400" dirty="0"/>
-          </a:p>
-          <a:p>
-            <a:pPr marL="0" indent="0">
-              <a:buNone/>
-            </a:pPr>
-            <a:endParaRPr lang="en-US" sz="2600" dirty="0"/>
-          </a:p>
-          <a:p>
-            <a:pPr marL="0" indent="0">
-              <a:buNone/>
-            </a:pPr>
-            <a:endParaRPr lang="en-US" sz="2600" dirty="0"/>
-          </a:p>
-          <a:p>
-            <a:endParaRPr lang="ro-RO" sz="2600" dirty="0"/>
-          </a:p>
-        </p:txBody>
-      </p:sp>
+            <p:extLst>
+              <p:ext uri="{D42A27DB-BD31-4B8C-83A1-F6EECF244321}">
+                <p14:modId xmlns:p14="http://schemas.microsoft.com/office/powerpoint/2010/main" val="2848559424"/>
+              </p:ext>
+            </p:extLst>
+          </p:nvPr>
+        </p:nvGraphicFramePr>
+        <p:xfrm>
+          <a:off x="126318" y="726848"/>
+          <a:ext cx="9650727" cy="5392597"/>
+        </p:xfrm>
+        <a:graphic>
+          <a:graphicData uri="http://schemas.openxmlformats.org/drawingml/2006/chart">
+            <c:chart xmlns:c="http://schemas.openxmlformats.org/drawingml/2006/chart" xmlns:r="http://schemas.openxmlformats.org/officeDocument/2006/relationships" r:id="rId2"/>
+          </a:graphicData>
+        </a:graphic>
+      </p:graphicFrame>
     </p:spTree>
     <p:extLst>
       <p:ext uri="{BB962C8B-B14F-4D97-AF65-F5344CB8AC3E}">
-        <p14:creationId xmlns:p14="http://schemas.microsoft.com/office/powerpoint/2010/main" val="2829266187"/>
+        <p14:creationId xmlns:p14="http://schemas.microsoft.com/office/powerpoint/2010/main" val="881802480"/>
       </p:ext>
     </p:extLst>
   </p:cSld>
@@ -15160,67 +14931,6 @@
           <a:chExt cx="0" cy="0"/>
         </a:xfrm>
       </p:grpSpPr>
-      <p:graphicFrame>
-        <p:nvGraphicFramePr>
-          <p:cNvPr id="7" name="Content Placeholder 6">
-            <a:extLst>
-              <a:ext uri="{FF2B5EF4-FFF2-40B4-BE49-F238E27FC236}">
-                <a16:creationId xmlns:a16="http://schemas.microsoft.com/office/drawing/2014/main" id="{03B07EEA-135C-4266-8E29-C0428DC9F516}"/>
-              </a:ext>
-            </a:extLst>
-          </p:cNvPr>
-          <p:cNvGraphicFramePr>
-            <a:graphicFrameLocks noGrp="1"/>
-          </p:cNvGraphicFramePr>
-          <p:nvPr>
-            <p:ph idx="1"/>
-            <p:extLst>
-              <p:ext uri="{D42A27DB-BD31-4B8C-83A1-F6EECF244321}">
-                <p14:modId xmlns:p14="http://schemas.microsoft.com/office/powerpoint/2010/main" val="2848559424"/>
-              </p:ext>
-            </p:extLst>
-          </p:nvPr>
-        </p:nvGraphicFramePr>
-        <p:xfrm>
-          <a:off x="126318" y="726848"/>
-          <a:ext cx="9650727" cy="5392597"/>
-        </p:xfrm>
-        <a:graphic>
-          <a:graphicData uri="http://schemas.openxmlformats.org/drawingml/2006/chart">
-            <c:chart xmlns:c="http://schemas.openxmlformats.org/drawingml/2006/chart" xmlns:r="http://schemas.openxmlformats.org/officeDocument/2006/relationships" r:id="rId2"/>
-          </a:graphicData>
-        </a:graphic>
-      </p:graphicFrame>
-    </p:spTree>
-    <p:extLst>
-      <p:ext uri="{BB962C8B-B14F-4D97-AF65-F5344CB8AC3E}">
-        <p14:creationId xmlns:p14="http://schemas.microsoft.com/office/powerpoint/2010/main" val="881802480"/>
-      </p:ext>
-    </p:extLst>
-  </p:cSld>
-  <p:clrMapOvr>
-    <a:masterClrMapping/>
-  </p:clrMapOvr>
-</p:sld>
-</file>
-
-<file path=ppt/slides/slide32.xml><?xml version="1.0" encoding="utf-8"?>
-<p:sld xmlns:a="http://schemas.openxmlformats.org/drawingml/2006/main" xmlns:r="http://schemas.openxmlformats.org/officeDocument/2006/relationships" xmlns:p="http://schemas.openxmlformats.org/presentationml/2006/main">
-  <p:cSld>
-    <p:spTree>
-      <p:nvGrpSpPr>
-        <p:cNvPr id="1" name=""/>
-        <p:cNvGrpSpPr/>
-        <p:nvPr/>
-      </p:nvGrpSpPr>
-      <p:grpSpPr>
-        <a:xfrm>
-          <a:off x="0" y="0"/>
-          <a:ext cx="0" cy="0"/>
-          <a:chOff x="0" y="0"/>
-          <a:chExt cx="0" cy="0"/>
-        </a:xfrm>
-      </p:grpSpPr>
       <p:sp>
         <p:nvSpPr>
           <p:cNvPr id="2" name="Title 1">
@@ -15272,147 +14982,163 @@
           <a:lstStyle/>
           <a:p>
             <a:r>
-              <a:rPr lang="en-US" dirty="0" err="1"/>
+              <a:rPr lang="en-US" sz="2400" dirty="0" err="1"/>
               <a:t>Rezolvare</a:t>
             </a:r>
             <a:r>
-              <a:rPr lang="en-US" dirty="0"/>
-              <a:t> </a:t>
-            </a:r>
-            <a:r>
-              <a:rPr lang="en-US" dirty="0" err="1"/>
+              <a:rPr lang="en-US" sz="2400" dirty="0"/>
+              <a:t> </a:t>
+            </a:r>
+            <a:r>
+              <a:rPr lang="en-US" sz="2400" dirty="0" err="1"/>
               <a:t>problemelor</a:t>
             </a:r>
             <a:r>
-              <a:rPr lang="en-US" dirty="0"/>
-              <a:t> </a:t>
-            </a:r>
-            <a:r>
-              <a:rPr lang="en-US" dirty="0" err="1"/>
+              <a:rPr lang="en-US" sz="2400" dirty="0"/>
+              <a:t> </a:t>
+            </a:r>
+            <a:r>
+              <a:rPr lang="en-US" sz="2400" dirty="0" err="1"/>
               <a:t>prezentate</a:t>
             </a:r>
-            <a:endParaRPr lang="en-US" dirty="0"/>
-          </a:p>
-          <a:p>
-            <a:r>
-              <a:rPr lang="en-US" dirty="0" err="1"/>
+            <a:endParaRPr lang="en-US" sz="2400" dirty="0"/>
+          </a:p>
+          <a:p>
+            <a:r>
+              <a:rPr lang="en-US" sz="2400" dirty="0" err="1"/>
               <a:t>Direcții</a:t>
             </a:r>
             <a:r>
-              <a:rPr lang="en-US" dirty="0"/>
-              <a:t> </a:t>
-            </a:r>
-            <a:r>
-              <a:rPr lang="en-US" dirty="0" err="1"/>
+              <a:rPr lang="en-US" sz="2400" dirty="0"/>
+              <a:t> </a:t>
+            </a:r>
+            <a:r>
+              <a:rPr lang="en-US" sz="2400" dirty="0" err="1"/>
               <a:t>viitoare</a:t>
             </a:r>
             <a:r>
-              <a:rPr lang="en-US" dirty="0"/>
+              <a:rPr lang="en-US" sz="2400" dirty="0"/>
               <a:t>:</a:t>
             </a:r>
           </a:p>
           <a:p>
-            <a:pPr lvl="1"/>
-            <a:r>
-              <a:rPr lang="en-US" dirty="0" err="1"/>
+            <a:pPr lvl="1">
+              <a:lnSpc>
+                <a:spcPct val="150000"/>
+              </a:lnSpc>
+            </a:pPr>
+            <a:r>
+              <a:rPr lang="en-US" sz="2000" dirty="0" err="1"/>
               <a:t>Managementul</a:t>
             </a:r>
             <a:r>
-              <a:rPr lang="en-US" dirty="0"/>
-              <a:t> </a:t>
-            </a:r>
-            <a:r>
-              <a:rPr lang="en-US" dirty="0" err="1"/>
+              <a:rPr lang="en-US" sz="2000" dirty="0"/>
+              <a:t> </a:t>
+            </a:r>
+            <a:r>
+              <a:rPr lang="en-US" sz="2000" dirty="0" err="1"/>
               <a:t>rețetelor</a:t>
             </a:r>
             <a:r>
-              <a:rPr lang="en-US" dirty="0"/>
-              <a:t> </a:t>
-            </a:r>
-            <a:r>
-              <a:rPr lang="en-US" dirty="0" err="1"/>
+              <a:rPr lang="en-US" sz="2000" dirty="0"/>
+              <a:t> </a:t>
+            </a:r>
+            <a:r>
+              <a:rPr lang="en-US" sz="2000" dirty="0" err="1"/>
               <a:t>qr</a:t>
             </a:r>
             <a:r>
-              <a:rPr lang="en-US" dirty="0"/>
+              <a:rPr lang="en-US" sz="2000" dirty="0"/>
               <a:t> code</a:t>
             </a:r>
           </a:p>
           <a:p>
-            <a:pPr lvl="1"/>
-            <a:r>
-              <a:rPr lang="en-US" dirty="0" err="1"/>
+            <a:pPr lvl="1">
+              <a:lnSpc>
+                <a:spcPct val="150000"/>
+              </a:lnSpc>
+            </a:pPr>
+            <a:r>
+              <a:rPr lang="en-US" sz="2000" dirty="0" err="1"/>
               <a:t>Liste</a:t>
             </a:r>
             <a:r>
-              <a:rPr lang="en-US" dirty="0"/>
+              <a:rPr lang="en-US" sz="2000" dirty="0"/>
               <a:t> de </a:t>
             </a:r>
             <a:r>
-              <a:rPr lang="en-US" dirty="0" err="1"/>
+              <a:rPr lang="en-US" sz="2000" dirty="0" err="1"/>
               <a:t>cumpărături</a:t>
             </a:r>
             <a:r>
-              <a:rPr lang="en-US" dirty="0"/>
-              <a:t> </a:t>
-            </a:r>
-            <a:r>
-              <a:rPr lang="en-US" dirty="0" err="1"/>
+              <a:rPr lang="en-US" sz="2000" dirty="0"/>
+              <a:t> </a:t>
+            </a:r>
+            <a:r>
+              <a:rPr lang="en-US" sz="2000" dirty="0" err="1"/>
               <a:t>independente</a:t>
             </a:r>
-            <a:endParaRPr lang="en-US" dirty="0"/>
-          </a:p>
-          <a:p>
-            <a:pPr lvl="1"/>
-            <a:r>
-              <a:rPr lang="en-US" dirty="0" err="1"/>
+            <a:endParaRPr lang="en-US" sz="2000" dirty="0"/>
+          </a:p>
+          <a:p>
+            <a:pPr lvl="1">
+              <a:lnSpc>
+                <a:spcPct val="150000"/>
+              </a:lnSpc>
+            </a:pPr>
+            <a:r>
+              <a:rPr lang="en-US" sz="2000" dirty="0" err="1"/>
               <a:t>Îmbunătațirea</a:t>
             </a:r>
             <a:r>
-              <a:rPr lang="en-US" dirty="0"/>
-              <a:t> </a:t>
-            </a:r>
-            <a:r>
-              <a:rPr lang="en-US" dirty="0" err="1"/>
+              <a:rPr lang="en-US" sz="2000" dirty="0"/>
+              <a:t> </a:t>
+            </a:r>
+            <a:r>
+              <a:rPr lang="en-US" sz="2000" dirty="0" err="1"/>
               <a:t>procesului</a:t>
             </a:r>
             <a:r>
-              <a:rPr lang="en-US" dirty="0"/>
+              <a:rPr lang="en-US" sz="2000" dirty="0"/>
               <a:t> de </a:t>
             </a:r>
             <a:r>
-              <a:rPr lang="en-US" dirty="0" err="1"/>
+              <a:rPr lang="en-US" sz="2000" dirty="0" err="1"/>
               <a:t>recomandare</a:t>
             </a:r>
             <a:r>
-              <a:rPr lang="en-US" dirty="0"/>
+              <a:rPr lang="en-US" sz="2000" dirty="0"/>
               <a:t> a </a:t>
             </a:r>
             <a:r>
-              <a:rPr lang="en-US" dirty="0" err="1"/>
+              <a:rPr lang="en-US" sz="2000" dirty="0" err="1"/>
               <a:t>produselor</a:t>
             </a:r>
-            <a:endParaRPr lang="en-US" dirty="0"/>
-          </a:p>
-          <a:p>
-            <a:pPr lvl="1"/>
-            <a:r>
-              <a:rPr lang="en-US" dirty="0"/>
+            <a:endParaRPr lang="en-US" sz="2000" dirty="0"/>
+          </a:p>
+          <a:p>
+            <a:pPr lvl="1">
+              <a:lnSpc>
+                <a:spcPct val="150000"/>
+              </a:lnSpc>
+            </a:pPr>
+            <a:r>
+              <a:rPr lang="en-US" sz="2000" dirty="0"/>
               <a:t>Capacitate de a </a:t>
             </a:r>
             <a:r>
-              <a:rPr lang="en-US" dirty="0" err="1"/>
+              <a:rPr lang="en-US" sz="2000" dirty="0" err="1"/>
               <a:t>distribui</a:t>
             </a:r>
             <a:r>
-              <a:rPr lang="en-US" dirty="0"/>
-              <a:t> </a:t>
-            </a:r>
-            <a:r>
-              <a:rPr lang="en-US" dirty="0" err="1"/>
+              <a:rPr lang="en-US" sz="2000" dirty="0"/>
+              <a:t> </a:t>
+            </a:r>
+            <a:r>
+              <a:rPr lang="en-US" sz="2000" dirty="0" err="1"/>
               <a:t>rețete</a:t>
             </a:r>
-            <a:endParaRPr lang="en-US" dirty="0"/>
+            <a:endParaRPr lang="en-US" sz="2000" dirty="0"/>
           </a:p>
           <a:p>
             <a:pPr lvl="1"/>
@@ -15433,7 +15159,7 @@
 </p:sld>
 </file>
 
-<file path=ppt/slides/slide33.xml><?xml version="1.0" encoding="utf-8"?>
+<file path=ppt/slides/slide32.xml><?xml version="1.0" encoding="utf-8"?>
 <p:sld xmlns:a="http://schemas.openxmlformats.org/drawingml/2006/main" xmlns:r="http://schemas.openxmlformats.org/officeDocument/2006/relationships" xmlns:p="http://schemas.openxmlformats.org/presentationml/2006/main">
   <p:cSld>
     <p:spTree>

--- a/Licenta2020BocicuSamuelEmanuel/prezentareLicenta.pptx
+++ b/Licenta2020BocicuSamuelEmanuel/prezentareLicenta.pptx
@@ -14675,8 +14675,8 @@
               <a:t> </a:t>
             </a:r>
             <a:r>
-              <a:rPr lang="en-US" sz="2600" dirty="0" err="1"/>
-              <a:t>cotidiane</a:t>
+              <a:rPr lang="en-US" sz="2600"/>
+              <a:t>cotidiene</a:t>
             </a:r>
             <a:r>
               <a:rPr lang="en-US" sz="2600" dirty="0"/>
@@ -14715,6 +14715,28 @@
           <a:p>
             <a:pPr lvl="3"/>
             <a:endParaRPr lang="en-US" sz="2000" dirty="0"/>
+          </a:p>
+          <a:p>
+            <a:pPr lvl="3">
+              <a:lnSpc>
+                <a:spcPct val="150000"/>
+              </a:lnSpc>
+              <a:buFont typeface="Courier New" panose="02070309020205020404" pitchFamily="49" charset="0"/>
+              <a:buChar char="o"/>
+            </a:pPr>
+            <a:r>
+              <a:rPr lang="en-US" sz="2400" dirty="0" err="1"/>
+              <a:t>stocarea</a:t>
+            </a:r>
+            <a:r>
+              <a:rPr lang="en-US" sz="2400" dirty="0"/>
+              <a:t> </a:t>
+            </a:r>
+            <a:r>
+              <a:rPr lang="en-US" sz="2400" dirty="0" err="1"/>
+              <a:t>rețetelor</a:t>
+            </a:r>
+            <a:endParaRPr lang="en-US" sz="2400" dirty="0"/>
           </a:p>
           <a:p>
             <a:pPr lvl="3">

--- a/Licenta2020BocicuSamuelEmanuel/prezentareLicenta.pptx
+++ b/Licenta2020BocicuSamuelEmanuel/prezentareLicenta.pptx
@@ -11229,7 +11229,7 @@
             </a:r>
             <a:r>
               <a:rPr lang="en-US" sz="2400" dirty="0" err="1"/>
-              <a:t>funcționalitaților</a:t>
+              <a:t>funcționalităților</a:t>
             </a:r>
             <a:endParaRPr lang="en-US" sz="2400" dirty="0"/>
           </a:p>
